--- a/Chapter 03/305 - 继承1.pptx
+++ b/Chapter 03/305 - 继承1.pptx
@@ -5535,12 +5535,12 @@
               <a:rPr lang="zh-CN" altLang="en-US" dirty="0"/>
               <a:t>方法可能比较危险，因为编写子类的开发人员可能不知道他们在重写方法的时候，面对的是一个未完全初始化的对象。</a:t>
             </a:r>
-            <a:endParaRPr lang="en-US" altLang="zh-CN"/>
-          </a:p>
-          <a:p>
-            <a:r>
-              <a:rPr lang="zh-CN" altLang="en-US"/>
-              <a:t>换句话说，重写的方法可能会访问依赖于还未被构造函数初始化的字段的属性或方法，</a:t>
+            <a:endParaRPr lang="en-US" altLang="zh-CN" dirty="0"/>
+          </a:p>
+          <a:p>
+            <a:r>
+              <a:rPr lang="zh-CN" altLang="en-US" dirty="0"/>
+              <a:t>换句话说，重写的方法可能会访问依赖于还未被构造函数初始化的字段的属性或方法。</a:t>
             </a:r>
             <a:endParaRPr lang="en-US" dirty="0"/>
           </a:p>
@@ -6902,7 +6902,7 @@
           <a:p>
             <a:r>
               <a:rPr lang="zh-CN" altLang="en-US" dirty="0"/>
-              <a:t>想转话到子类的引用则需要显式转换（向下转换）</a:t>
+              <a:t>想转换到子类的引用则需要显式转换（向下转换）</a:t>
             </a:r>
             <a:endParaRPr lang="en-US" altLang="zh-CN" dirty="0"/>
           </a:p>
